--- a/talks/VisMLM-QM-Forum.pptx
+++ b/talks/VisMLM-QM-Forum.pptx
@@ -5,10 +5,10 @@
     <p:sldMasterId id="2147483672" r:id="rId1"/>
   </p:sldMasterIdLst>
   <p:notesMasterIdLst>
-    <p:notesMasterId r:id="rId10"/>
+    <p:notesMasterId r:id="rId12"/>
   </p:notesMasterIdLst>
   <p:handoutMasterIdLst>
-    <p:handoutMasterId r:id="rId11"/>
+    <p:handoutMasterId r:id="rId13"/>
   </p:handoutMasterIdLst>
   <p:sldIdLst>
     <p:sldId id="256" r:id="rId2"/>
@@ -19,6 +19,8 @@
     <p:sldId id="295" r:id="rId7"/>
     <p:sldId id="452" r:id="rId8"/>
     <p:sldId id="453" r:id="rId9"/>
+    <p:sldId id="454" r:id="rId10"/>
+    <p:sldId id="455" r:id="rId11"/>
   </p:sldIdLst>
   <p:sldSz cx="9144000" cy="6858000" type="screen4x3"/>
   <p:notesSz cx="6858000" cy="9144000"/>
@@ -232,7 +234,7 @@
           <a:p>
             <a:fld id="{08BD4FA9-F3CE-45B3-A980-C331C6F1EF65}" type="datetimeFigureOut">
               <a:rPr lang="en-US" smtClean="0"/>
-              <a:t>2/29/2024</a:t>
+              <a:t>3/1/2024</a:t>
             </a:fld>
             <a:endParaRPr lang="en-US"/>
           </a:p>
@@ -397,7 +399,7 @@
           <a:p>
             <a:fld id="{013CE5C8-CA14-4F25-BB86-D5708A73C703}" type="datetimeFigureOut">
               <a:rPr lang="en-CA" smtClean="0"/>
-              <a:t>2024-02-29</a:t>
+              <a:t>2024-03-01</a:t>
             </a:fld>
             <a:endParaRPr lang="en-CA"/>
           </a:p>
@@ -1013,7 +1015,7 @@
           <a:bodyPr/>
           <a:lstStyle/>
           <a:p>
-            <a:fld id="{70D86350-AC89-4C10-AFD9-23B29EEBE5A8}" type="datetime1">
+            <a:fld id="{90F4DE8F-B1DC-4B22-83A0-745F0342F1A8}" type="datetime1">
               <a:rPr lang="en-US" smtClean="0">
                 <a:solidFill>
                   <a:prstClr val="black">
@@ -1021,8 +1023,7 @@
                   </a:prstClr>
                 </a:solidFill>
               </a:rPr>
-              <a:pPr/>
-              <a:t>2/29/2024</a:t>
+              <a:t>3/1/2024</a:t>
             </a:fld>
             <a:endParaRPr lang="en-US">
               <a:solidFill>
@@ -1213,7 +1214,7 @@
           <a:bodyPr/>
           <a:lstStyle/>
           <a:p>
-            <a:fld id="{DA5324F2-2C9F-4CDC-A683-CF1813CCFDB3}" type="datetime1">
+            <a:fld id="{0EA30FFE-A3E4-44DB-91BF-8DD78BC61873}" type="datetime1">
               <a:rPr lang="en-US" smtClean="0">
                 <a:solidFill>
                   <a:prstClr val="black">
@@ -1221,8 +1222,7 @@
                   </a:prstClr>
                 </a:solidFill>
               </a:rPr>
-              <a:pPr/>
-              <a:t>2/29/2024</a:t>
+              <a:t>3/1/2024</a:t>
             </a:fld>
             <a:endParaRPr lang="en-US">
               <a:solidFill>
@@ -1423,7 +1423,7 @@
           <a:bodyPr/>
           <a:lstStyle/>
           <a:p>
-            <a:fld id="{4EC2CED3-4DE5-412F-8987-5E8C7BF61A70}" type="datetime1">
+            <a:fld id="{24549321-86D5-4076-881B-CC626645E539}" type="datetime1">
               <a:rPr lang="en-US" smtClean="0">
                 <a:solidFill>
                   <a:prstClr val="black">
@@ -1431,8 +1431,7 @@
                   </a:prstClr>
                 </a:solidFill>
               </a:rPr>
-              <a:pPr/>
-              <a:t>2/29/2024</a:t>
+              <a:t>3/1/2024</a:t>
             </a:fld>
             <a:endParaRPr lang="en-US">
               <a:solidFill>
@@ -1623,7 +1622,7 @@
           <a:bodyPr/>
           <a:lstStyle/>
           <a:p>
-            <a:fld id="{33D01DF3-06FD-4D73-BE9B-E7C4F1E97801}" type="datetime1">
+            <a:fld id="{343F8782-44D7-4571-A422-7459FE37BE3F}" type="datetime1">
               <a:rPr lang="en-US" smtClean="0">
                 <a:solidFill>
                   <a:prstClr val="black">
@@ -1631,8 +1630,7 @@
                   </a:prstClr>
                 </a:solidFill>
               </a:rPr>
-              <a:pPr/>
-              <a:t>2/29/2024</a:t>
+              <a:t>3/1/2024</a:t>
             </a:fld>
             <a:endParaRPr lang="en-US">
               <a:solidFill>
@@ -1688,13 +1686,16 @@
             </a:lvl1pPr>
           </a:lstStyle>
           <a:p>
-            <a:endParaRPr lang="en-US" dirty="0">
-              <a:solidFill>
-                <a:prstClr val="black">
-                  <a:tint val="75000"/>
-                </a:prstClr>
-              </a:solidFill>
-            </a:endParaRPr>
+            <a:r>
+              <a:rPr lang="en-US" dirty="0">
+                <a:solidFill>
+                  <a:prstClr val="black">
+                    <a:tint val="75000"/>
+                  </a:prstClr>
+                </a:solidFill>
+              </a:rPr>
+              <a:t>&lt;#&gt;</a:t>
+            </a:r>
           </a:p>
         </p:txBody>
       </p:sp>
@@ -1893,7 +1894,7 @@
           <a:bodyPr/>
           <a:lstStyle/>
           <a:p>
-            <a:fld id="{950FFC7D-37BB-4613-906F-2D3CD0CBA956}" type="datetime1">
+            <a:fld id="{CD556FD3-8BFA-4CF9-9CFE-96E20EDEC8A9}" type="datetime1">
               <a:rPr lang="en-US" smtClean="0">
                 <a:solidFill>
                   <a:prstClr val="black">
@@ -1901,8 +1902,7 @@
                   </a:prstClr>
                 </a:solidFill>
               </a:rPr>
-              <a:pPr/>
-              <a:t>2/29/2024</a:t>
+              <a:t>3/1/2024</a:t>
             </a:fld>
             <a:endParaRPr lang="en-US">
               <a:solidFill>
@@ -2210,7 +2210,7 @@
           <a:bodyPr/>
           <a:lstStyle/>
           <a:p>
-            <a:fld id="{B22C5126-E7F4-4612-8B8F-0B9BFBF4442E}" type="datetime1">
+            <a:fld id="{CFD199B2-B280-4D8C-B34F-A4B7C7C7C234}" type="datetime1">
               <a:rPr lang="en-US" smtClean="0">
                 <a:solidFill>
                   <a:prstClr val="black">
@@ -2218,8 +2218,7 @@
                   </a:prstClr>
                 </a:solidFill>
               </a:rPr>
-              <a:pPr/>
-              <a:t>2/29/2024</a:t>
+              <a:t>3/1/2024</a:t>
             </a:fld>
             <a:endParaRPr lang="en-US">
               <a:solidFill>
@@ -2661,7 +2660,7 @@
           <a:bodyPr/>
           <a:lstStyle/>
           <a:p>
-            <a:fld id="{82E1304B-B340-4EBC-85A7-2E2DCB9888E8}" type="datetime1">
+            <a:fld id="{87761785-547D-40AD-81B3-4A9D3723B498}" type="datetime1">
               <a:rPr lang="en-US" smtClean="0">
                 <a:solidFill>
                   <a:prstClr val="black">
@@ -2669,8 +2668,7 @@
                   </a:prstClr>
                 </a:solidFill>
               </a:rPr>
-              <a:pPr/>
-              <a:t>2/29/2024</a:t>
+              <a:t>3/1/2024</a:t>
             </a:fld>
             <a:endParaRPr lang="en-US">
               <a:solidFill>
@@ -2810,7 +2808,7 @@
           <a:bodyPr/>
           <a:lstStyle/>
           <a:p>
-            <a:fld id="{477DFA22-C2C2-44FE-8927-07E7C4D2E3B5}" type="datetime1">
+            <a:fld id="{9B519F87-1A1F-4A05-8DCB-CF31DCE704AD}" type="datetime1">
               <a:rPr lang="en-US" smtClean="0">
                 <a:solidFill>
                   <a:prstClr val="black">
@@ -2818,8 +2816,7 @@
                   </a:prstClr>
                 </a:solidFill>
               </a:rPr>
-              <a:pPr/>
-              <a:t>2/29/2024</a:t>
+              <a:t>3/1/2024</a:t>
             </a:fld>
             <a:endParaRPr lang="en-US">
               <a:solidFill>
@@ -2937,7 +2934,7 @@
           <a:bodyPr/>
           <a:lstStyle/>
           <a:p>
-            <a:fld id="{E885A78E-1BA9-426A-BCE4-961BE9FADCB0}" type="datetime1">
+            <a:fld id="{EC467E99-A15D-4CF6-9403-B89869396E24}" type="datetime1">
               <a:rPr lang="en-US" smtClean="0">
                 <a:solidFill>
                   <a:prstClr val="black">
@@ -2945,8 +2942,7 @@
                   </a:prstClr>
                 </a:solidFill>
               </a:rPr>
-              <a:pPr/>
-              <a:t>2/29/2024</a:t>
+              <a:t>3/1/2024</a:t>
             </a:fld>
             <a:endParaRPr lang="en-US">
               <a:solidFill>
@@ -3244,7 +3240,7 @@
           <a:bodyPr/>
           <a:lstStyle/>
           <a:p>
-            <a:fld id="{7A500E82-8D11-4674-84ED-CBC51B179603}" type="datetime1">
+            <a:fld id="{16735C01-3DED-4DC8-97AA-3F2F51376BA0}" type="datetime1">
               <a:rPr lang="en-US" smtClean="0">
                 <a:solidFill>
                   <a:prstClr val="black">
@@ -3252,8 +3248,7 @@
                   </a:prstClr>
                 </a:solidFill>
               </a:rPr>
-              <a:pPr/>
-              <a:t>2/29/2024</a:t>
+              <a:t>3/1/2024</a:t>
             </a:fld>
             <a:endParaRPr lang="en-US">
               <a:solidFill>
@@ -3531,7 +3526,7 @@
           <a:bodyPr/>
           <a:lstStyle/>
           <a:p>
-            <a:fld id="{3EC35E79-0A44-4941-A81F-5650355DDFAF}" type="datetime1">
+            <a:fld id="{DA1620A2-218D-4AD6-9F54-9A5CC2621E49}" type="datetime1">
               <a:rPr lang="en-US" smtClean="0">
                 <a:solidFill>
                   <a:prstClr val="black">
@@ -3539,8 +3534,7 @@
                   </a:prstClr>
                 </a:solidFill>
               </a:rPr>
-              <a:pPr/>
-              <a:t>2/29/2024</a:t>
+              <a:t>3/1/2024</a:t>
             </a:fld>
             <a:endParaRPr lang="en-US">
               <a:solidFill>
@@ -3787,7 +3781,7 @@
             </a:lvl1pPr>
           </a:lstStyle>
           <a:p>
-            <a:fld id="{18F56552-6711-4E72-BAF8-1AD9E45CAC05}" type="datetime1">
+            <a:fld id="{7BE63000-E3F7-47E9-9EAE-71F3ECC85393}" type="datetime1">
               <a:rPr lang="en-US" smtClean="0">
                 <a:solidFill>
                   <a:prstClr val="black">
@@ -3795,8 +3789,7 @@
                   </a:prstClr>
                 </a:solidFill>
               </a:rPr>
-              <a:pPr/>
-              <a:t>2/29/2024</a:t>
+              <a:t>3/1/2024</a:t>
             </a:fld>
             <a:endParaRPr lang="en-US">
               <a:solidFill>
@@ -4303,10 +4296,519 @@
           </a:p>
         </p:txBody>
       </p:sp>
+      <p:sp>
+        <p:nvSpPr>
+          <p:cNvPr id="4" name="Slide Number Placeholder 3">
+            <a:extLst>
+              <a:ext uri="{FF2B5EF4-FFF2-40B4-BE49-F238E27FC236}">
+                <a16:creationId xmlns:a16="http://schemas.microsoft.com/office/drawing/2014/main" id="{023F0A03-5283-F56B-7131-4F7CCE79B1A1}"/>
+              </a:ext>
+            </a:extLst>
+          </p:cNvPr>
+          <p:cNvSpPr>
+            <a:spLocks noGrp="1"/>
+          </p:cNvSpPr>
+          <p:nvPr>
+            <p:ph type="sldNum" sz="quarter" idx="12"/>
+          </p:nvPr>
+        </p:nvSpPr>
+        <p:spPr/>
+        <p:txBody>
+          <a:bodyPr/>
+          <a:lstStyle/>
+          <a:p>
+            <a:fld id="{20401A5A-FA6E-4462-B8C5-A4D4B3FA6BB1}" type="slidenum">
+              <a:rPr lang="en-US" smtClean="0">
+                <a:solidFill>
+                  <a:prstClr val="black">
+                    <a:tint val="75000"/>
+                  </a:prstClr>
+                </a:solidFill>
+              </a:rPr>
+              <a:pPr/>
+              <a:t>1</a:t>
+            </a:fld>
+            <a:endParaRPr lang="en-US">
+              <a:solidFill>
+                <a:prstClr val="black">
+                  <a:tint val="75000"/>
+                </a:prstClr>
+              </a:solidFill>
+            </a:endParaRPr>
+          </a:p>
+        </p:txBody>
+      </p:sp>
     </p:spTree>
     <p:extLst>
       <p:ext uri="{BB962C8B-B14F-4D97-AF65-F5344CB8AC3E}">
         <p14:creationId xmlns:p14="http://schemas.microsoft.com/office/powerpoint/2010/main" val="1970465655"/>
+      </p:ext>
+    </p:extLst>
+  </p:cSld>
+  <p:clrMapOvr>
+    <a:masterClrMapping/>
+  </p:clrMapOvr>
+</p:sld>
+</file>
+
+<file path=ppt/slides/slide10.xml><?xml version="1.0" encoding="utf-8"?>
+<p:sld xmlns:a="http://schemas.openxmlformats.org/drawingml/2006/main" xmlns:r="http://schemas.openxmlformats.org/officeDocument/2006/relationships" xmlns:p="http://schemas.openxmlformats.org/presentationml/2006/main">
+  <p:cSld>
+    <p:spTree>
+      <p:nvGrpSpPr>
+        <p:cNvPr id="1" name=""/>
+        <p:cNvGrpSpPr/>
+        <p:nvPr/>
+      </p:nvGrpSpPr>
+      <p:grpSpPr>
+        <a:xfrm>
+          <a:off x="0" y="0"/>
+          <a:ext cx="0" cy="0"/>
+          <a:chOff x="0" y="0"/>
+          <a:chExt cx="0" cy="0"/>
+        </a:xfrm>
+      </p:grpSpPr>
+      <p:sp>
+        <p:nvSpPr>
+          <p:cNvPr id="2" name="Title 1">
+            <a:extLst>
+              <a:ext uri="{FF2B5EF4-FFF2-40B4-BE49-F238E27FC236}">
+                <a16:creationId xmlns:a16="http://schemas.microsoft.com/office/drawing/2014/main" id="{39584CF3-46EC-480E-3843-56E2D5A0176F}"/>
+              </a:ext>
+            </a:extLst>
+          </p:cNvPr>
+          <p:cNvSpPr>
+            <a:spLocks noGrp="1"/>
+          </p:cNvSpPr>
+          <p:nvPr>
+            <p:ph type="title"/>
+          </p:nvPr>
+        </p:nvSpPr>
+        <p:spPr/>
+        <p:txBody>
+          <a:bodyPr/>
+          <a:lstStyle/>
+          <a:p>
+            <a:r>
+              <a:rPr lang="en-CA" dirty="0"/>
+              <a:t>Penguins data</a:t>
+            </a:r>
+          </a:p>
+        </p:txBody>
+      </p:sp>
+      <p:sp>
+        <p:nvSpPr>
+          <p:cNvPr id="4" name="Slide Number Placeholder 3">
+            <a:extLst>
+              <a:ext uri="{FF2B5EF4-FFF2-40B4-BE49-F238E27FC236}">
+                <a16:creationId xmlns:a16="http://schemas.microsoft.com/office/drawing/2014/main" id="{DE765C7C-0FE8-1529-BA24-61F685220CD1}"/>
+              </a:ext>
+            </a:extLst>
+          </p:cNvPr>
+          <p:cNvSpPr>
+            <a:spLocks noGrp="1"/>
+          </p:cNvSpPr>
+          <p:nvPr>
+            <p:ph type="sldNum" sz="quarter" idx="12"/>
+          </p:nvPr>
+        </p:nvSpPr>
+        <p:spPr/>
+        <p:txBody>
+          <a:bodyPr/>
+          <a:lstStyle/>
+          <a:p>
+            <a:endParaRPr lang="en-US" dirty="0">
+              <a:solidFill>
+                <a:prstClr val="black">
+                  <a:tint val="75000"/>
+                </a:prstClr>
+              </a:solidFill>
+            </a:endParaRPr>
+          </a:p>
+        </p:txBody>
+      </p:sp>
+      <p:pic>
+        <p:nvPicPr>
+          <p:cNvPr id="6" name="Picture 5" descr="A group of penguins standing in a row&#10;&#10;Description automatically generated">
+            <a:extLst>
+              <a:ext uri="{FF2B5EF4-FFF2-40B4-BE49-F238E27FC236}">
+                <a16:creationId xmlns:a16="http://schemas.microsoft.com/office/drawing/2014/main" id="{AB3EC107-3E2B-3821-B186-5F4A73C195CC}"/>
+              </a:ext>
+            </a:extLst>
+          </p:cNvPr>
+          <p:cNvPicPr>
+            <a:picLocks noChangeAspect="1"/>
+          </p:cNvPicPr>
+          <p:nvPr/>
+        </p:nvPicPr>
+        <p:blipFill>
+          <a:blip r:embed="rId2">
+            <a:extLst>
+              <a:ext uri="{28A0092B-C50C-407E-A947-70E740481C1C}">
+                <a14:useLocalDpi xmlns:a14="http://schemas.microsoft.com/office/drawing/2010/main" val="0"/>
+              </a:ext>
+            </a:extLst>
+          </a:blip>
+          <a:stretch>
+            <a:fillRect/>
+          </a:stretch>
+        </p:blipFill>
+        <p:spPr>
+          <a:xfrm>
+            <a:off x="457201" y="3002280"/>
+            <a:ext cx="4267200" cy="2560320"/>
+          </a:xfrm>
+          <a:prstGeom prst="rect">
+            <a:avLst/>
+          </a:prstGeom>
+        </p:spPr>
+      </p:pic>
+      <p:pic>
+        <p:nvPicPr>
+          <p:cNvPr id="8" name="Picture 7" descr="A bird with a beak and a pointy nose&#10;&#10;Description automatically generated with medium confidence">
+            <a:extLst>
+              <a:ext uri="{FF2B5EF4-FFF2-40B4-BE49-F238E27FC236}">
+                <a16:creationId xmlns:a16="http://schemas.microsoft.com/office/drawing/2014/main" id="{9A763808-9751-268C-6F48-E4CCFB7A3D37}"/>
+              </a:ext>
+            </a:extLst>
+          </p:cNvPr>
+          <p:cNvPicPr>
+            <a:picLocks noChangeAspect="1"/>
+          </p:cNvPicPr>
+          <p:nvPr/>
+        </p:nvPicPr>
+        <p:blipFill>
+          <a:blip r:embed="rId3" cstate="print">
+            <a:extLst>
+              <a:ext uri="{28A0092B-C50C-407E-A947-70E740481C1C}">
+                <a14:useLocalDpi xmlns:a14="http://schemas.microsoft.com/office/drawing/2010/main" val="0"/>
+              </a:ext>
+            </a:extLst>
+          </a:blip>
+          <a:stretch>
+            <a:fillRect/>
+          </a:stretch>
+        </p:blipFill>
+        <p:spPr>
+          <a:xfrm>
+            <a:off x="5181599" y="3048001"/>
+            <a:ext cx="3788194" cy="2438399"/>
+          </a:xfrm>
+          <a:prstGeom prst="rect">
+            <a:avLst/>
+          </a:prstGeom>
+        </p:spPr>
+      </p:pic>
+      <p:sp>
+        <p:nvSpPr>
+          <p:cNvPr id="9" name="TextBox 8">
+            <a:extLst>
+              <a:ext uri="{FF2B5EF4-FFF2-40B4-BE49-F238E27FC236}">
+                <a16:creationId xmlns:a16="http://schemas.microsoft.com/office/drawing/2014/main" id="{0010FD1D-0DF7-5A08-16F9-A3CFD1FCBC3F}"/>
+              </a:ext>
+            </a:extLst>
+          </p:cNvPr>
+          <p:cNvSpPr txBox="1"/>
+          <p:nvPr/>
+        </p:nvSpPr>
+        <p:spPr>
+          <a:xfrm>
+            <a:off x="457200" y="1143000"/>
+            <a:ext cx="8229600" cy="1600438"/>
+          </a:xfrm>
+          <a:prstGeom prst="rect">
+            <a:avLst/>
+          </a:prstGeom>
+          <a:noFill/>
+        </p:spPr>
+        <p:txBody>
+          <a:bodyPr wrap="square" rtlCol="0">
+            <a:spAutoFit/>
+          </a:bodyPr>
+          <a:lstStyle/>
+          <a:p>
+            <a:r>
+              <a:rPr lang="en-CA" dirty="0"/>
+              <a:t>Data on penguin species observed in the Palmer Archipelago</a:t>
+            </a:r>
+          </a:p>
+          <a:p>
+            <a:pPr marL="285750" indent="-285750">
+              <a:buFont typeface="Arial" panose="020B0604020202020204" pitchFamily="34" charset="0"/>
+              <a:buChar char="•"/>
+            </a:pPr>
+            <a:r>
+              <a:rPr lang="en-CA" sz="1600" dirty="0"/>
+              <a:t>Species: </a:t>
+            </a:r>
+            <a:r>
+              <a:rPr lang="en-CA" sz="1600" dirty="0" err="1"/>
+              <a:t>Adélie</a:t>
+            </a:r>
+            <a:r>
+              <a:rPr lang="en-CA" sz="1600" dirty="0"/>
+              <a:t>, Chinstrap &amp; Gentoo</a:t>
+            </a:r>
+          </a:p>
+          <a:p>
+            <a:pPr marL="285750" indent="-285750">
+              <a:buFont typeface="Arial" panose="020B0604020202020204" pitchFamily="34" charset="0"/>
+              <a:buChar char="•"/>
+            </a:pPr>
+            <a:r>
+              <a:rPr lang="en-CA" sz="1600" dirty="0"/>
+              <a:t>Islands: Biscoe, Dream &amp; Torgersen</a:t>
+            </a:r>
+          </a:p>
+          <a:p>
+            <a:pPr marL="285750" indent="-285750">
+              <a:buFont typeface="Arial" panose="020B0604020202020204" pitchFamily="34" charset="0"/>
+              <a:buChar char="•"/>
+            </a:pPr>
+            <a:r>
+              <a:rPr lang="en-CA" sz="1600" dirty="0"/>
+              <a:t>Years: 2007, 2008, 2009</a:t>
+            </a:r>
+          </a:p>
+          <a:p>
+            <a:pPr marL="285750" indent="-285750">
+              <a:buFont typeface="Arial" panose="020B0604020202020204" pitchFamily="34" charset="0"/>
+              <a:buChar char="•"/>
+            </a:pPr>
+            <a:r>
+              <a:rPr lang="en-CA" sz="1600" dirty="0"/>
+              <a:t>Sex: Male, Female</a:t>
+            </a:r>
+          </a:p>
+          <a:p>
+            <a:pPr marL="285750" indent="-285750">
+              <a:buFont typeface="Arial" panose="020B0604020202020204" pitchFamily="34" charset="0"/>
+              <a:buChar char="•"/>
+            </a:pPr>
+            <a:r>
+              <a:rPr lang="en-CA" sz="1600" dirty="0"/>
+              <a:t>Four measures:  Bill length,  Bill depth,  Flipper length, Body mass</a:t>
+            </a:r>
+          </a:p>
+        </p:txBody>
+      </p:sp>
+      <p:sp>
+        <p:nvSpPr>
+          <p:cNvPr id="10" name="TextBox 9">
+            <a:extLst>
+              <a:ext uri="{FF2B5EF4-FFF2-40B4-BE49-F238E27FC236}">
+                <a16:creationId xmlns:a16="http://schemas.microsoft.com/office/drawing/2014/main" id="{E38EE8DA-4DFA-19F0-21C5-9E1AF894D970}"/>
+              </a:ext>
+            </a:extLst>
+          </p:cNvPr>
+          <p:cNvSpPr txBox="1"/>
+          <p:nvPr/>
+        </p:nvSpPr>
+        <p:spPr>
+          <a:xfrm>
+            <a:off x="457200" y="5867400"/>
+            <a:ext cx="8077200" cy="369332"/>
+          </a:xfrm>
+          <a:prstGeom prst="rect">
+            <a:avLst/>
+          </a:prstGeom>
+          <a:noFill/>
+        </p:spPr>
+        <p:txBody>
+          <a:bodyPr wrap="square" rtlCol="0">
+            <a:spAutoFit/>
+          </a:bodyPr>
+          <a:lstStyle/>
+          <a:p>
+            <a:r>
+              <a:rPr lang="en-CA" dirty="0"/>
+              <a:t>Purpose: examine </a:t>
+            </a:r>
+            <a:r>
+              <a:rPr lang="en-CA" dirty="0" err="1"/>
+              <a:t>diff</a:t>
+            </a:r>
+            <a:r>
+              <a:rPr lang="en-CA" baseline="30000" dirty="0" err="1"/>
+              <a:t>ces</a:t>
+            </a:r>
+            <a:r>
+              <a:rPr lang="en-CA" dirty="0"/>
+              <a:t> in size, appearance in relation to foraging &amp; habitat</a:t>
+            </a:r>
+          </a:p>
+        </p:txBody>
+      </p:sp>
+      <p:cxnSp>
+        <p:nvCxnSpPr>
+          <p:cNvPr id="12" name="Straight Arrow Connector 11">
+            <a:extLst>
+              <a:ext uri="{FF2B5EF4-FFF2-40B4-BE49-F238E27FC236}">
+                <a16:creationId xmlns:a16="http://schemas.microsoft.com/office/drawing/2014/main" id="{893124C5-A867-F076-F223-30F85B8AD80A}"/>
+              </a:ext>
+            </a:extLst>
+          </p:cNvPr>
+          <p:cNvCxnSpPr/>
+          <p:nvPr/>
+        </p:nvCxnSpPr>
+        <p:spPr>
+          <a:xfrm>
+            <a:off x="4343400" y="4267200"/>
+            <a:ext cx="228600" cy="762000"/>
+          </a:xfrm>
+          <a:prstGeom prst="straightConnector1">
+            <a:avLst/>
+          </a:prstGeom>
+          <a:ln w="22225">
+            <a:solidFill>
+              <a:srgbClr val="FF0000"/>
+            </a:solidFill>
+            <a:headEnd type="stealth"/>
+            <a:tailEnd type="triangle"/>
+          </a:ln>
+        </p:spPr>
+        <p:style>
+          <a:lnRef idx="1">
+            <a:schemeClr val="accent1"/>
+          </a:lnRef>
+          <a:fillRef idx="0">
+            <a:schemeClr val="accent1"/>
+          </a:fillRef>
+          <a:effectRef idx="0">
+            <a:schemeClr val="accent1"/>
+          </a:effectRef>
+          <a:fontRef idx="minor">
+            <a:schemeClr val="tx1"/>
+          </a:fontRef>
+        </p:style>
+      </p:cxnSp>
+      <p:sp>
+        <p:nvSpPr>
+          <p:cNvPr id="13" name="Oval 12">
+            <a:extLst>
+              <a:ext uri="{FF2B5EF4-FFF2-40B4-BE49-F238E27FC236}">
+                <a16:creationId xmlns:a16="http://schemas.microsoft.com/office/drawing/2014/main" id="{5AC46FB3-46D5-28CD-53E0-464B68904A4A}"/>
+              </a:ext>
+            </a:extLst>
+          </p:cNvPr>
+          <p:cNvSpPr/>
+          <p:nvPr/>
+        </p:nvSpPr>
+        <p:spPr>
+          <a:xfrm rot="788081">
+            <a:off x="2365980" y="3954330"/>
+            <a:ext cx="685271" cy="1295400"/>
+          </a:xfrm>
+          <a:prstGeom prst="ellipse">
+            <a:avLst/>
+          </a:prstGeom>
+          <a:noFill/>
+          <a:ln>
+            <a:solidFill>
+              <a:srgbClr val="FF0000"/>
+            </a:solidFill>
+          </a:ln>
+        </p:spPr>
+        <p:style>
+          <a:lnRef idx="2">
+            <a:schemeClr val="accent1">
+              <a:shade val="50000"/>
+            </a:schemeClr>
+          </a:lnRef>
+          <a:fillRef idx="1">
+            <a:schemeClr val="accent1"/>
+          </a:fillRef>
+          <a:effectRef idx="0">
+            <a:schemeClr val="accent1"/>
+          </a:effectRef>
+          <a:fontRef idx="minor">
+            <a:schemeClr val="lt1"/>
+          </a:fontRef>
+        </p:style>
+        <p:txBody>
+          <a:bodyPr rtlCol="0" anchor="ctr"/>
+          <a:lstStyle/>
+          <a:p>
+            <a:pPr algn="ctr"/>
+            <a:endParaRPr lang="en-CA"/>
+          </a:p>
+        </p:txBody>
+      </p:sp>
+      <p:sp>
+        <p:nvSpPr>
+          <p:cNvPr id="14" name="TextBox 13">
+            <a:extLst>
+              <a:ext uri="{FF2B5EF4-FFF2-40B4-BE49-F238E27FC236}">
+                <a16:creationId xmlns:a16="http://schemas.microsoft.com/office/drawing/2014/main" id="{A50C919E-1286-85FE-02C8-CE16841CC2AC}"/>
+              </a:ext>
+            </a:extLst>
+          </p:cNvPr>
+          <p:cNvSpPr txBox="1"/>
+          <p:nvPr/>
+        </p:nvSpPr>
+        <p:spPr>
+          <a:xfrm>
+            <a:off x="2327615" y="4212135"/>
+            <a:ext cx="762000" cy="523220"/>
+          </a:xfrm>
+          <a:prstGeom prst="rect">
+            <a:avLst/>
+          </a:prstGeom>
+          <a:noFill/>
+        </p:spPr>
+        <p:txBody>
+          <a:bodyPr wrap="square" rtlCol="0">
+            <a:spAutoFit/>
+          </a:bodyPr>
+          <a:lstStyle/>
+          <a:p>
+            <a:pPr algn="ctr"/>
+            <a:r>
+              <a:rPr lang="en-CA" sz="1400" dirty="0"/>
+              <a:t>Body mass</a:t>
+            </a:r>
+          </a:p>
+        </p:txBody>
+      </p:sp>
+      <p:sp>
+        <p:nvSpPr>
+          <p:cNvPr id="15" name="TextBox 14">
+            <a:extLst>
+              <a:ext uri="{FF2B5EF4-FFF2-40B4-BE49-F238E27FC236}">
+                <a16:creationId xmlns:a16="http://schemas.microsoft.com/office/drawing/2014/main" id="{5A56E78C-6927-92E3-3153-9A83A9BA5BA6}"/>
+              </a:ext>
+            </a:extLst>
+          </p:cNvPr>
+          <p:cNvSpPr txBox="1"/>
+          <p:nvPr/>
+        </p:nvSpPr>
+        <p:spPr>
+          <a:xfrm rot="4387397">
+            <a:off x="3793414" y="4637663"/>
+            <a:ext cx="1750202" cy="307777"/>
+          </a:xfrm>
+          <a:prstGeom prst="rect">
+            <a:avLst/>
+          </a:prstGeom>
+          <a:noFill/>
+        </p:spPr>
+        <p:txBody>
+          <a:bodyPr wrap="square" rtlCol="0">
+            <a:spAutoFit/>
+          </a:bodyPr>
+          <a:lstStyle/>
+          <a:p>
+            <a:r>
+              <a:rPr lang="en-CA" sz="1400" dirty="0"/>
+              <a:t>Flipper length</a:t>
+            </a:r>
+          </a:p>
+        </p:txBody>
+      </p:sp>
+    </p:spTree>
+    <p:extLst>
+      <p:ext uri="{BB962C8B-B14F-4D97-AF65-F5344CB8AC3E}">
+        <p14:creationId xmlns:p14="http://schemas.microsoft.com/office/powerpoint/2010/main" val="1133665218"/>
       </p:ext>
     </p:extLst>
   </p:cSld>
@@ -5541,12 +6043,196 @@
           </a:p>
         </p:txBody>
       </p:sp>
+      <p:sp>
+        <p:nvSpPr>
+          <p:cNvPr id="6" name="TextBox 5">
+            <a:extLst>
+              <a:ext uri="{FF2B5EF4-FFF2-40B4-BE49-F238E27FC236}">
+                <a16:creationId xmlns:a16="http://schemas.microsoft.com/office/drawing/2014/main" id="{04C79A1D-A642-3E5C-6BCE-133820E6E868}"/>
+              </a:ext>
+            </a:extLst>
+          </p:cNvPr>
+          <p:cNvSpPr txBox="1"/>
+          <p:nvPr/>
+        </p:nvSpPr>
+        <p:spPr>
+          <a:xfrm>
+            <a:off x="4876800" y="609600"/>
+            <a:ext cx="3962400" cy="4924425"/>
+          </a:xfrm>
+          <a:prstGeom prst="rect">
+            <a:avLst/>
+          </a:prstGeom>
+          <a:noFill/>
+        </p:spPr>
+        <p:txBody>
+          <a:bodyPr wrap="square" rtlCol="0">
+            <a:spAutoFit/>
+          </a:bodyPr>
+          <a:lstStyle/>
+          <a:p>
+            <a:endParaRPr lang="en-CA" dirty="0"/>
+          </a:p>
+          <a:p>
+            <a:r>
+              <a:rPr lang="en-CA" sz="2000" dirty="0"/>
+              <a:t>Goal: Extend the familiar graphical methods for univariate linear models to the MLM (MANOVA, MMRA, CDA, …)</a:t>
+            </a:r>
+          </a:p>
+          <a:p>
+            <a:endParaRPr lang="en-CA" dirty="0"/>
+          </a:p>
+          <a:p>
+            <a:r>
+              <a:rPr lang="en-CA" dirty="0"/>
+              <a:t>Topics:</a:t>
+            </a:r>
+          </a:p>
+          <a:p>
+            <a:endParaRPr lang="en-CA" dirty="0"/>
+          </a:p>
+          <a:p>
+            <a:pPr marL="285750" indent="-285750">
+              <a:buFont typeface="Arial" panose="020B0604020202020204" pitchFamily="34" charset="0"/>
+              <a:buChar char="•"/>
+            </a:pPr>
+            <a:r>
+              <a:rPr lang="en-CA" dirty="0"/>
+              <a:t>Data plots, model plots, diagnostic plots</a:t>
+            </a:r>
+          </a:p>
+          <a:p>
+            <a:pPr marL="285750" indent="-285750">
+              <a:buFont typeface="Arial" panose="020B0604020202020204" pitchFamily="34" charset="0"/>
+              <a:buChar char="•"/>
+            </a:pPr>
+            <a:r>
+              <a:rPr lang="en-CA" dirty="0"/>
+              <a:t>Data ellipses, confidence ellipses</a:t>
+            </a:r>
+          </a:p>
+          <a:p>
+            <a:pPr marL="285750" indent="-285750">
+              <a:buFont typeface="Arial" panose="020B0604020202020204" pitchFamily="34" charset="0"/>
+              <a:buChar char="•"/>
+            </a:pPr>
+            <a:r>
+              <a:rPr lang="en-CA" dirty="0"/>
+              <a:t>PCA, biplots (the multivariate juicer)</a:t>
+            </a:r>
+          </a:p>
+          <a:p>
+            <a:pPr marL="285750" indent="-285750">
+              <a:buFont typeface="Arial" panose="020B0604020202020204" pitchFamily="34" charset="0"/>
+              <a:buChar char="•"/>
+            </a:pPr>
+            <a:r>
+              <a:rPr lang="en-CA" b="1" dirty="0"/>
+              <a:t>y</a:t>
+            </a:r>
+            <a:r>
+              <a:rPr lang="en-CA" dirty="0"/>
+              <a:t> ~ </a:t>
+            </a:r>
+            <a:r>
+              <a:rPr lang="en-CA" b="1" dirty="0"/>
+              <a:t>X</a:t>
+            </a:r>
+            <a:r>
+              <a:rPr lang="en-CA" dirty="0"/>
+              <a:t> β </a:t>
+            </a:r>
+            <a:r>
+              <a:rPr lang="en-CA" dirty="0">
+                <a:sym typeface="Symbol" panose="05050102010706020507" pitchFamily="18" charset="2"/>
+              </a:rPr>
+              <a:t> </a:t>
+            </a:r>
+            <a:r>
+              <a:rPr lang="en-CA" b="1" dirty="0">
+                <a:sym typeface="Symbol" panose="05050102010706020507" pitchFamily="18" charset="2"/>
+              </a:rPr>
+              <a:t>Y </a:t>
+            </a:r>
+            <a:r>
+              <a:rPr lang="en-CA" dirty="0">
+                <a:sym typeface="Symbol" panose="05050102010706020507" pitchFamily="18" charset="2"/>
+              </a:rPr>
+              <a:t>~ </a:t>
+            </a:r>
+            <a:r>
+              <a:rPr lang="en-CA" b="1" dirty="0">
+                <a:sym typeface="Symbol" panose="05050102010706020507" pitchFamily="18" charset="2"/>
+              </a:rPr>
+              <a:t>X B </a:t>
+            </a:r>
+            <a:r>
+              <a:rPr lang="en-CA" dirty="0">
+                <a:sym typeface="Symbol" panose="05050102010706020507" pitchFamily="18" charset="2"/>
+              </a:rPr>
+              <a:t>(</a:t>
+            </a:r>
+            <a:r>
+              <a:rPr lang="en-CA" dirty="0" err="1">
+                <a:sym typeface="Symbol" panose="05050102010706020507" pitchFamily="18" charset="2"/>
+              </a:rPr>
+              <a:t>AnovaMANOVA</a:t>
+            </a:r>
+            <a:r>
+              <a:rPr lang="en-CA" dirty="0">
+                <a:sym typeface="Symbol" panose="05050102010706020507" pitchFamily="18" charset="2"/>
+              </a:rPr>
+              <a:t>)</a:t>
+            </a:r>
+          </a:p>
+          <a:p>
+            <a:pPr marL="285750" indent="-285750">
+              <a:buFont typeface="Arial" panose="020B0604020202020204" pitchFamily="34" charset="0"/>
+              <a:buChar char="•"/>
+            </a:pPr>
+            <a:r>
+              <a:rPr lang="en-CA" dirty="0">
+                <a:sym typeface="Symbol" panose="05050102010706020507" pitchFamily="18" charset="2"/>
+              </a:rPr>
+              <a:t>Hypothesis-Error (HE) plots</a:t>
+            </a:r>
+          </a:p>
+          <a:p>
+            <a:pPr marL="285750" indent="-285750">
+              <a:buFont typeface="Arial" panose="020B0604020202020204" pitchFamily="34" charset="0"/>
+              <a:buChar char="•"/>
+            </a:pPr>
+            <a:r>
+              <a:rPr lang="en-CA" dirty="0">
+                <a:sym typeface="Symbol" panose="05050102010706020507" pitchFamily="18" charset="2"/>
+              </a:rPr>
+              <a:t>Canonical discriminant plots</a:t>
+            </a:r>
+          </a:p>
+          <a:p>
+            <a:pPr marL="285750" indent="-285750">
+              <a:buFont typeface="Arial" panose="020B0604020202020204" pitchFamily="34" charset="0"/>
+              <a:buChar char="•"/>
+            </a:pPr>
+            <a:r>
+              <a:rPr lang="en-CA" dirty="0">
+                <a:sym typeface="Symbol" panose="05050102010706020507" pitchFamily="18" charset="2"/>
+              </a:rPr>
+              <a:t>…</a:t>
+            </a:r>
+            <a:endParaRPr lang="en-CA" dirty="0"/>
+          </a:p>
+          <a:p>
+            <a:endParaRPr lang="en-CA" dirty="0"/>
+          </a:p>
+        </p:txBody>
+      </p:sp>
       <p:pic>
         <p:nvPicPr>
-          <p:cNvPr id="5" name="Picture 4" descr="A book cover of a red oval with arrows&#10;&#10;Description automatically generated">
+          <p:cNvPr id="4" name="Picture 3" descr="A close-up of a book cover&#10;&#10;Description automatically generated">
             <a:extLst>
               <a:ext uri="{FF2B5EF4-FFF2-40B4-BE49-F238E27FC236}">
-                <a16:creationId xmlns:a16="http://schemas.microsoft.com/office/drawing/2014/main" id="{13CC9994-B43E-6A5E-F0B5-148B64A262DB}"/>
+                <a16:creationId xmlns:a16="http://schemas.microsoft.com/office/drawing/2014/main" id="{31223C49-0ED3-B443-5177-5BEF90CDBB98}"/>
               </a:ext>
             </a:extLst>
           </p:cNvPr>
@@ -5569,204 +6255,14 @@
         </p:blipFill>
         <p:spPr>
           <a:xfrm>
-            <a:off x="457200" y="461010"/>
-            <a:ext cx="4320540" cy="5935980"/>
+            <a:off x="304800" y="533400"/>
+            <a:ext cx="4320572" cy="5943600"/>
           </a:xfrm>
           <a:prstGeom prst="rect">
             <a:avLst/>
           </a:prstGeom>
         </p:spPr>
       </p:pic>
-      <p:sp>
-        <p:nvSpPr>
-          <p:cNvPr id="6" name="TextBox 5">
-            <a:extLst>
-              <a:ext uri="{FF2B5EF4-FFF2-40B4-BE49-F238E27FC236}">
-                <a16:creationId xmlns:a16="http://schemas.microsoft.com/office/drawing/2014/main" id="{04C79A1D-A642-3E5C-6BCE-133820E6E868}"/>
-              </a:ext>
-            </a:extLst>
-          </p:cNvPr>
-          <p:cNvSpPr txBox="1"/>
-          <p:nvPr/>
-        </p:nvSpPr>
-        <p:spPr>
-          <a:xfrm>
-            <a:off x="4876800" y="609600"/>
-            <a:ext cx="3962400" cy="4801314"/>
-          </a:xfrm>
-          <a:prstGeom prst="rect">
-            <a:avLst/>
-          </a:prstGeom>
-          <a:noFill/>
-        </p:spPr>
-        <p:txBody>
-          <a:bodyPr wrap="square" rtlCol="0">
-            <a:spAutoFit/>
-          </a:bodyPr>
-          <a:lstStyle/>
-          <a:p>
-            <a:r>
-              <a:rPr lang="en-CA" dirty="0"/>
-              <a:t>Current, in progress book</a:t>
-            </a:r>
-          </a:p>
-          <a:p>
-            <a:endParaRPr lang="en-CA" dirty="0"/>
-          </a:p>
-          <a:p>
-            <a:r>
-              <a:rPr lang="en-CA" dirty="0"/>
-              <a:t>Goal: Extend the familiar graphical methods for univariate linear models to the MLM (MANOVA, MMRA, CDA, …)</a:t>
-            </a:r>
-          </a:p>
-          <a:p>
-            <a:endParaRPr lang="en-CA" dirty="0"/>
-          </a:p>
-          <a:p>
-            <a:r>
-              <a:rPr lang="en-CA" dirty="0"/>
-              <a:t>Topics:</a:t>
-            </a:r>
-          </a:p>
-          <a:p>
-            <a:endParaRPr lang="en-CA" dirty="0"/>
-          </a:p>
-          <a:p>
-            <a:pPr marL="285750" indent="-285750">
-              <a:buFont typeface="Arial" panose="020B0604020202020204" pitchFamily="34" charset="0"/>
-              <a:buChar char="•"/>
-            </a:pPr>
-            <a:r>
-              <a:rPr lang="en-CA" dirty="0"/>
-              <a:t>Data plots, model plots, diagnostic plots</a:t>
-            </a:r>
-          </a:p>
-          <a:p>
-            <a:pPr marL="285750" indent="-285750">
-              <a:buFont typeface="Arial" panose="020B0604020202020204" pitchFamily="34" charset="0"/>
-              <a:buChar char="•"/>
-            </a:pPr>
-            <a:r>
-              <a:rPr lang="en-CA" dirty="0"/>
-              <a:t>Data ellipses, confidence ellipses</a:t>
-            </a:r>
-          </a:p>
-          <a:p>
-            <a:pPr marL="285750" indent="-285750">
-              <a:buFont typeface="Arial" panose="020B0604020202020204" pitchFamily="34" charset="0"/>
-              <a:buChar char="•"/>
-            </a:pPr>
-            <a:r>
-              <a:rPr lang="en-CA" dirty="0"/>
-              <a:t>PCA, biplots (the multivariate juicer)</a:t>
-            </a:r>
-          </a:p>
-          <a:p>
-            <a:pPr marL="285750" indent="-285750">
-              <a:buFont typeface="Arial" panose="020B0604020202020204" pitchFamily="34" charset="0"/>
-              <a:buChar char="•"/>
-            </a:pPr>
-            <a:r>
-              <a:rPr lang="en-CA" b="1" dirty="0"/>
-              <a:t>y</a:t>
-            </a:r>
-            <a:r>
-              <a:rPr lang="en-CA" dirty="0"/>
-              <a:t> ~ </a:t>
-            </a:r>
-            <a:r>
-              <a:rPr lang="en-CA" b="1" dirty="0"/>
-              <a:t>X</a:t>
-            </a:r>
-            <a:r>
-              <a:rPr lang="en-CA" dirty="0"/>
-              <a:t> β </a:t>
-            </a:r>
-            <a:r>
-              <a:rPr lang="en-CA" dirty="0">
-                <a:sym typeface="Symbol" panose="05050102010706020507" pitchFamily="18" charset="2"/>
-              </a:rPr>
-              <a:t> </a:t>
-            </a:r>
-            <a:r>
-              <a:rPr lang="en-CA" b="1" dirty="0">
-                <a:sym typeface="Symbol" panose="05050102010706020507" pitchFamily="18" charset="2"/>
-              </a:rPr>
-              <a:t>Y </a:t>
-            </a:r>
-            <a:r>
-              <a:rPr lang="en-CA" dirty="0">
-                <a:sym typeface="Symbol" panose="05050102010706020507" pitchFamily="18" charset="2"/>
-              </a:rPr>
-              <a:t>~ </a:t>
-            </a:r>
-            <a:r>
-              <a:rPr lang="en-CA" b="1" dirty="0">
-                <a:sym typeface="Symbol" panose="05050102010706020507" pitchFamily="18" charset="2"/>
-              </a:rPr>
-              <a:t>X B </a:t>
-            </a:r>
-            <a:r>
-              <a:rPr lang="en-CA" dirty="0">
-                <a:sym typeface="Symbol" panose="05050102010706020507" pitchFamily="18" charset="2"/>
-              </a:rPr>
-              <a:t>(</a:t>
-            </a:r>
-            <a:r>
-              <a:rPr lang="en-CA" dirty="0" err="1">
-                <a:sym typeface="Symbol" panose="05050102010706020507" pitchFamily="18" charset="2"/>
-              </a:rPr>
-              <a:t>AnovaMANOVA</a:t>
-            </a:r>
-            <a:r>
-              <a:rPr lang="en-CA" dirty="0">
-                <a:sym typeface="Symbol" panose="05050102010706020507" pitchFamily="18" charset="2"/>
-              </a:rPr>
-              <a:t>)</a:t>
-            </a:r>
-          </a:p>
-          <a:p>
-            <a:pPr marL="285750" indent="-285750">
-              <a:buFont typeface="Arial" panose="020B0604020202020204" pitchFamily="34" charset="0"/>
-              <a:buChar char="•"/>
-            </a:pPr>
-            <a:r>
-              <a:rPr lang="en-CA" dirty="0">
-                <a:sym typeface="Symbol" panose="05050102010706020507" pitchFamily="18" charset="2"/>
-              </a:rPr>
-              <a:t>Hypothesis-Error (HE) plots</a:t>
-            </a:r>
-          </a:p>
-          <a:p>
-            <a:pPr marL="285750" indent="-285750">
-              <a:buFont typeface="Arial" panose="020B0604020202020204" pitchFamily="34" charset="0"/>
-              <a:buChar char="•"/>
-            </a:pPr>
-            <a:r>
-              <a:rPr lang="en-CA" dirty="0">
-                <a:sym typeface="Symbol" panose="05050102010706020507" pitchFamily="18" charset="2"/>
-              </a:rPr>
-              <a:t>Canonical discriminant plots</a:t>
-            </a:r>
-          </a:p>
-          <a:p>
-            <a:pPr marL="285750" indent="-285750">
-              <a:buFont typeface="Arial" panose="020B0604020202020204" pitchFamily="34" charset="0"/>
-              <a:buChar char="•"/>
-            </a:pPr>
-            <a:r>
-              <a:rPr lang="en-CA" dirty="0">
-                <a:sym typeface="Symbol" panose="05050102010706020507" pitchFamily="18" charset="2"/>
-              </a:rPr>
-              <a:t>…</a:t>
-            </a:r>
-            <a:endParaRPr lang="en-CA" dirty="0"/>
-          </a:p>
-          <a:p>
-            <a:endParaRPr lang="en-CA" dirty="0"/>
-          </a:p>
-        </p:txBody>
-      </p:sp>
     </p:spTree>
     <p:extLst>
       <p:ext uri="{BB962C8B-B14F-4D97-AF65-F5344CB8AC3E}">
@@ -5881,10 +6377,6 @@
             </a:r>
           </a:p>
           <a:p>
-            <a:pPr lvl="1"/>
-            <a:endParaRPr lang="en-US" sz="2000" dirty="0"/>
-          </a:p>
-          <a:p>
             <a:r>
               <a:rPr lang="en-US" dirty="0"/>
               <a:t>Linear &amp; multivariate models</a:t>
@@ -5917,6 +6409,17 @@
             <a:r>
               <a:rPr lang="en-US" sz="2000" dirty="0"/>
               <a:t>mvinfluence: Multivariate influence</a:t>
+            </a:r>
+          </a:p>
+          <a:p>
+            <a:pPr lvl="1"/>
+            <a:r>
+              <a:rPr lang="en-US" sz="2000" dirty="0" err="1"/>
+              <a:t>ggbiplot</a:t>
+            </a:r>
+            <a:r>
+              <a:rPr lang="en-US" sz="2000" dirty="0"/>
+              <a:t>: ggplot2 biplots for PCA &amp; LDA</a:t>
             </a:r>
           </a:p>
           <a:p>
@@ -6432,6 +6935,42 @@
           </a:p>
         </p:txBody>
       </p:sp>
+      <p:pic>
+        <p:nvPicPr>
+          <p:cNvPr id="15" name="Picture 14" descr="A hexagon with arrows pointing to different colors&#10;&#10;Description automatically generated">
+            <a:extLst>
+              <a:ext uri="{FF2B5EF4-FFF2-40B4-BE49-F238E27FC236}">
+                <a16:creationId xmlns:a16="http://schemas.microsoft.com/office/drawing/2014/main" id="{6C12D648-1291-DAE5-5FA4-4E8412BC8DA2}"/>
+              </a:ext>
+            </a:extLst>
+          </p:cNvPr>
+          <p:cNvPicPr>
+            <a:picLocks noChangeAspect="1"/>
+          </p:cNvPicPr>
+          <p:nvPr/>
+        </p:nvPicPr>
+        <p:blipFill>
+          <a:blip r:embed="rId14" cstate="print">
+            <a:extLst>
+              <a:ext uri="{28A0092B-C50C-407E-A947-70E740481C1C}">
+                <a14:useLocalDpi xmlns:a14="http://schemas.microsoft.com/office/drawing/2010/main" val="0"/>
+              </a:ext>
+            </a:extLst>
+          </a:blip>
+          <a:stretch>
+            <a:fillRect/>
+          </a:stretch>
+        </p:blipFill>
+        <p:spPr>
+          <a:xfrm>
+            <a:off x="7867355" y="3497595"/>
+            <a:ext cx="1027538" cy="1188720"/>
+          </a:xfrm>
+          <a:prstGeom prst="rect">
+            <a:avLst/>
+          </a:prstGeom>
+        </p:spPr>
+      </p:pic>
     </p:spTree>
     <p:extLst>
       <p:ext uri="{BB962C8B-B14F-4D97-AF65-F5344CB8AC3E}">
@@ -6735,7 +7274,7 @@
                                         <p:tgtEl>
                                           <p:spTgt spid="5">
                                             <p:txEl>
-                                              <p:pRg st="4" end="4"/>
+                                              <p:pRg st="3" end="3"/>
                                             </p:txEl>
                                           </p:spTgt>
                                         </p:tgtEl>
@@ -6766,7 +7305,7 @@
                                         <p:tgtEl>
                                           <p:spTgt spid="5">
                                             <p:txEl>
-                                              <p:pRg st="5" end="5"/>
+                                              <p:pRg st="4" end="4"/>
                                             </p:txEl>
                                           </p:spTgt>
                                         </p:tgtEl>
@@ -6797,7 +7336,7 @@
                                         <p:tgtEl>
                                           <p:spTgt spid="5">
                                             <p:txEl>
-                                              <p:pRg st="6" end="6"/>
+                                              <p:pRg st="5" end="5"/>
                                             </p:txEl>
                                           </p:spTgt>
                                         </p:tgtEl>
@@ -6828,6 +7367,37 @@
                                         <p:tgtEl>
                                           <p:spTgt spid="5">
                                             <p:txEl>
+                                              <p:pRg st="6" end="6"/>
+                                            </p:txEl>
+                                          </p:spTgt>
+                                        </p:tgtEl>
+                                        <p:attrNameLst>
+                                          <p:attrName>style.visibility</p:attrName>
+                                        </p:attrNameLst>
+                                      </p:cBhvr>
+                                      <p:to>
+                                        <p:strVal val="visible"/>
+                                      </p:to>
+                                    </p:set>
+                                  </p:childTnLst>
+                                </p:cTn>
+                              </p:par>
+                              <p:par>
+                                <p:cTn id="29" presetID="1" presetClass="entr" presetSubtype="0" fill="hold" nodeType="withEffect">
+                                  <p:stCondLst>
+                                    <p:cond delay="0"/>
+                                  </p:stCondLst>
+                                  <p:childTnLst>
+                                    <p:set>
+                                      <p:cBhvr>
+                                        <p:cTn id="30" dur="1" fill="hold">
+                                          <p:stCondLst>
+                                            <p:cond delay="0"/>
+                                          </p:stCondLst>
+                                        </p:cTn>
+                                        <p:tgtEl>
+                                          <p:spTgt spid="5">
+                                            <p:txEl>
                                               <p:pRg st="7" end="7"/>
                                             </p:txEl>
                                           </p:spTgt>
@@ -6850,26 +7420,26 @@
                     </p:cTn>
                   </p:par>
                   <p:par>
-                    <p:cTn id="29" fill="hold">
+                    <p:cTn id="31" fill="hold">
                       <p:stCondLst>
                         <p:cond delay="indefinite"/>
                       </p:stCondLst>
                       <p:childTnLst>
                         <p:par>
-                          <p:cTn id="30" fill="hold">
+                          <p:cTn id="32" fill="hold">
                             <p:stCondLst>
                               <p:cond delay="0"/>
                             </p:stCondLst>
                             <p:childTnLst>
                               <p:par>
-                                <p:cTn id="31" presetID="1" presetClass="entr" presetSubtype="0" fill="hold" nodeType="clickEffect">
+                                <p:cTn id="33" presetID="1" presetClass="entr" presetSubtype="0" fill="hold" nodeType="clickEffect">
                                   <p:stCondLst>
                                     <p:cond delay="0"/>
                                   </p:stCondLst>
                                   <p:childTnLst>
                                     <p:set>
                                       <p:cBhvr>
-                                        <p:cTn id="32" dur="1" fill="hold">
+                                        <p:cTn id="34" dur="1" fill="hold">
                                           <p:stCondLst>
                                             <p:cond delay="0"/>
                                           </p:stCondLst>
@@ -6893,14 +7463,14 @@
                                 </p:cTn>
                               </p:par>
                               <p:par>
-                                <p:cTn id="33" presetID="1" presetClass="entr" presetSubtype="0" fill="hold" nodeType="withEffect">
+                                <p:cTn id="35" presetID="1" presetClass="entr" presetSubtype="0" fill="hold" nodeType="withEffect">
                                   <p:stCondLst>
                                     <p:cond delay="0"/>
                                   </p:stCondLst>
                                   <p:childTnLst>
                                     <p:set>
                                       <p:cBhvr>
-                                        <p:cTn id="34" dur="1" fill="hold">
+                                        <p:cTn id="36" dur="1" fill="hold">
                                           <p:stCondLst>
                                             <p:cond delay="0"/>
                                           </p:stCondLst>
@@ -6924,14 +7494,14 @@
                                 </p:cTn>
                               </p:par>
                               <p:par>
-                                <p:cTn id="35" presetID="2" presetClass="entr" presetSubtype="4" fill="hold" nodeType="withEffect">
+                                <p:cTn id="37" presetID="2" presetClass="entr" presetSubtype="4" fill="hold" nodeType="withEffect">
                                   <p:stCondLst>
                                     <p:cond delay="0"/>
                                   </p:stCondLst>
                                   <p:childTnLst>
                                     <p:set>
                                       <p:cBhvr>
-                                        <p:cTn id="36" dur="1" fill="hold">
+                                        <p:cTn id="38" dur="1" fill="hold">
                                           <p:stCondLst>
                                             <p:cond delay="0"/>
                                           </p:stCondLst>
@@ -6949,7 +7519,7 @@
                                     </p:set>
                                     <p:anim calcmode="lin" valueType="num">
                                       <p:cBhvr additive="base">
-                                        <p:cTn id="37" dur="500" fill="hold"/>
+                                        <p:cTn id="39" dur="500" fill="hold"/>
                                         <p:tgtEl>
                                           <p:spTgt spid="18"/>
                                         </p:tgtEl>
@@ -6972,7 +7542,7 @@
                                     </p:anim>
                                     <p:anim calcmode="lin" valueType="num">
                                       <p:cBhvr additive="base">
-                                        <p:cTn id="38" dur="500" fill="hold"/>
+                                        <p:cTn id="40" dur="500" fill="hold"/>
                                         <p:tgtEl>
                                           <p:spTgt spid="18"/>
                                         </p:tgtEl>
@@ -6997,14 +7567,14 @@
                                 </p:cTn>
                               </p:par>
                               <p:par>
-                                <p:cTn id="39" presetID="2" presetClass="entr" presetSubtype="4" fill="hold" nodeType="withEffect">
+                                <p:cTn id="41" presetID="2" presetClass="entr" presetSubtype="4" fill="hold" nodeType="withEffect">
                                   <p:stCondLst>
                                     <p:cond delay="0"/>
                                   </p:stCondLst>
                                   <p:childTnLst>
                                     <p:set>
                                       <p:cBhvr>
-                                        <p:cTn id="40" dur="1" fill="hold">
+                                        <p:cTn id="42" dur="1" fill="hold">
                                           <p:stCondLst>
                                             <p:cond delay="0"/>
                                           </p:stCondLst>
@@ -7022,7 +7592,7 @@
                                     </p:set>
                                     <p:anim calcmode="lin" valueType="num">
                                       <p:cBhvr additive="base">
-                                        <p:cTn id="41" dur="500" fill="hold"/>
+                                        <p:cTn id="43" dur="500" fill="hold"/>
                                         <p:tgtEl>
                                           <p:spTgt spid="13"/>
                                         </p:tgtEl>
@@ -7045,7 +7615,7 @@
                                     </p:anim>
                                     <p:anim calcmode="lin" valueType="num">
                                       <p:cBhvr additive="base">
-                                        <p:cTn id="42" dur="500" fill="hold"/>
+                                        <p:cTn id="44" dur="500" fill="hold"/>
                                         <p:tgtEl>
                                           <p:spTgt spid="13"/>
                                         </p:tgtEl>
@@ -7076,26 +7646,26 @@
                     </p:cTn>
                   </p:par>
                   <p:par>
-                    <p:cTn id="43" fill="hold">
+                    <p:cTn id="45" fill="hold">
                       <p:stCondLst>
                         <p:cond delay="indefinite"/>
                       </p:stCondLst>
                       <p:childTnLst>
                         <p:par>
-                          <p:cTn id="44" fill="hold">
+                          <p:cTn id="46" fill="hold">
                             <p:stCondLst>
                               <p:cond delay="0"/>
                             </p:stCondLst>
                             <p:childTnLst>
                               <p:par>
-                                <p:cTn id="45" presetID="1" presetClass="entr" presetSubtype="0" fill="hold" nodeType="clickEffect">
+                                <p:cTn id="47" presetID="1" presetClass="entr" presetSubtype="0" fill="hold" nodeType="clickEffect">
                                   <p:stCondLst>
                                     <p:cond delay="0"/>
                                   </p:stCondLst>
                                   <p:childTnLst>
                                     <p:set>
                                       <p:cBhvr>
-                                        <p:cTn id="46" dur="1" fill="hold">
+                                        <p:cTn id="48" dur="1" fill="hold">
                                           <p:stCondLst>
                                             <p:cond delay="0"/>
                                           </p:stCondLst>
@@ -7119,14 +7689,14 @@
                                 </p:cTn>
                               </p:par>
                               <p:par>
-                                <p:cTn id="47" presetID="1" presetClass="entr" presetSubtype="0" fill="hold" nodeType="withEffect">
+                                <p:cTn id="49" presetID="1" presetClass="entr" presetSubtype="0" fill="hold" nodeType="withEffect">
                                   <p:stCondLst>
                                     <p:cond delay="0"/>
                                   </p:stCondLst>
                                   <p:childTnLst>
                                     <p:set>
                                       <p:cBhvr>
-                                        <p:cTn id="48" dur="1" fill="hold">
+                                        <p:cTn id="50" dur="1" fill="hold">
                                           <p:stCondLst>
                                             <p:cond delay="0"/>
                                           </p:stCondLst>
@@ -7150,14 +7720,14 @@
                                 </p:cTn>
                               </p:par>
                               <p:par>
-                                <p:cTn id="49" presetID="2" presetClass="entr" presetSubtype="4" fill="hold" nodeType="withEffect">
+                                <p:cTn id="51" presetID="2" presetClass="entr" presetSubtype="4" fill="hold" nodeType="withEffect">
                                   <p:stCondLst>
                                     <p:cond delay="0"/>
                                   </p:stCondLst>
                                   <p:childTnLst>
                                     <p:set>
                                       <p:cBhvr>
-                                        <p:cTn id="50" dur="1" fill="hold">
+                                        <p:cTn id="52" dur="1" fill="hold">
                                           <p:stCondLst>
                                             <p:cond delay="0"/>
                                           </p:stCondLst>
@@ -7175,7 +7745,7 @@
                                     </p:set>
                                     <p:anim calcmode="lin" valueType="num">
                                       <p:cBhvr additive="base">
-                                        <p:cTn id="51" dur="500" fill="hold"/>
+                                        <p:cTn id="53" dur="500" fill="hold"/>
                                         <p:tgtEl>
                                           <p:spTgt spid="30"/>
                                         </p:tgtEl>
@@ -7198,7 +7768,7 @@
                                     </p:anim>
                                     <p:anim calcmode="lin" valueType="num">
                                       <p:cBhvr additive="base">
-                                        <p:cTn id="52" dur="500" fill="hold"/>
+                                        <p:cTn id="54" dur="500" fill="hold"/>
                                         <p:tgtEl>
                                           <p:spTgt spid="30"/>
                                         </p:tgtEl>
@@ -7223,14 +7793,14 @@
                                 </p:cTn>
                               </p:par>
                               <p:par>
-                                <p:cTn id="53" presetID="2" presetClass="entr" presetSubtype="4" fill="hold" nodeType="withEffect">
+                                <p:cTn id="55" presetID="2" presetClass="entr" presetSubtype="4" fill="hold" nodeType="withEffect">
                                   <p:stCondLst>
                                     <p:cond delay="0"/>
                                   </p:stCondLst>
                                   <p:childTnLst>
                                     <p:set>
                                       <p:cBhvr>
-                                        <p:cTn id="54" dur="1" fill="hold">
+                                        <p:cTn id="56" dur="1" fill="hold">
                                           <p:stCondLst>
                                             <p:cond delay="0"/>
                                           </p:stCondLst>
@@ -7248,7 +7818,7 @@
                                     </p:set>
                                     <p:anim calcmode="lin" valueType="num">
                                       <p:cBhvr additive="base">
-                                        <p:cTn id="55" dur="500" fill="hold"/>
+                                        <p:cTn id="57" dur="500" fill="hold"/>
                                         <p:tgtEl>
                                           <p:spTgt spid="32"/>
                                         </p:tgtEl>
@@ -7271,7 +7841,7 @@
                                     </p:anim>
                                     <p:anim calcmode="lin" valueType="num">
                                       <p:cBhvr additive="base">
-                                        <p:cTn id="56" dur="500" fill="hold"/>
+                                        <p:cTn id="58" dur="500" fill="hold"/>
                                         <p:tgtEl>
                                           <p:spTgt spid="32"/>
                                         </p:tgtEl>
@@ -7323,6 +7893,237 @@
       </p:par>
     </p:tnLst>
   </p:timing>
+</p:sld>
+</file>
+
+<file path=ppt/slides/slide9.xml><?xml version="1.0" encoding="utf-8"?>
+<p:sld xmlns:a="http://schemas.openxmlformats.org/drawingml/2006/main" xmlns:r="http://schemas.openxmlformats.org/officeDocument/2006/relationships" xmlns:p="http://schemas.openxmlformats.org/presentationml/2006/main">
+  <p:cSld>
+    <p:spTree>
+      <p:nvGrpSpPr>
+        <p:cNvPr id="1" name=""/>
+        <p:cNvGrpSpPr/>
+        <p:nvPr/>
+      </p:nvGrpSpPr>
+      <p:grpSpPr>
+        <a:xfrm>
+          <a:off x="0" y="0"/>
+          <a:ext cx="0" cy="0"/>
+          <a:chOff x="0" y="0"/>
+          <a:chExt cx="0" cy="0"/>
+        </a:xfrm>
+      </p:grpSpPr>
+      <p:sp>
+        <p:nvSpPr>
+          <p:cNvPr id="2" name="Title 1">
+            <a:extLst>
+              <a:ext uri="{FF2B5EF4-FFF2-40B4-BE49-F238E27FC236}">
+                <a16:creationId xmlns:a16="http://schemas.microsoft.com/office/drawing/2014/main" id="{5F07E601-141D-AD90-E08F-C9D8DD13908B}"/>
+              </a:ext>
+            </a:extLst>
+          </p:cNvPr>
+          <p:cNvSpPr>
+            <a:spLocks noGrp="1"/>
+          </p:cNvSpPr>
+          <p:nvPr>
+            <p:ph type="title"/>
+          </p:nvPr>
+        </p:nvSpPr>
+        <p:spPr/>
+        <p:txBody>
+          <a:bodyPr/>
+          <a:lstStyle/>
+          <a:p>
+            <a:r>
+              <a:rPr lang="en-CA" dirty="0"/>
+              <a:t>Plots for data analysis</a:t>
+            </a:r>
+          </a:p>
+        </p:txBody>
+      </p:sp>
+      <p:sp>
+        <p:nvSpPr>
+          <p:cNvPr id="3" name="Content Placeholder 2">
+            <a:extLst>
+              <a:ext uri="{FF2B5EF4-FFF2-40B4-BE49-F238E27FC236}">
+                <a16:creationId xmlns:a16="http://schemas.microsoft.com/office/drawing/2014/main" id="{63B20604-A907-9EDB-E7DE-33836B2DCD46}"/>
+              </a:ext>
+            </a:extLst>
+          </p:cNvPr>
+          <p:cNvSpPr>
+            <a:spLocks noGrp="1"/>
+          </p:cNvSpPr>
+          <p:nvPr>
+            <p:ph idx="1"/>
+          </p:nvPr>
+        </p:nvSpPr>
+        <p:spPr/>
+        <p:txBody>
+          <a:bodyPr>
+            <a:normAutofit fontScale="85000" lnSpcReduction="20000"/>
+          </a:bodyPr>
+          <a:lstStyle/>
+          <a:p>
+            <a:r>
+              <a:rPr lang="en-CA" sz="2800" b="1" dirty="0"/>
+              <a:t>data </a:t>
+            </a:r>
+            <a:r>
+              <a:rPr lang="en-CA" sz="2800" dirty="0"/>
+              <a:t>plots: display raw data, with annotations to aid interpretation (regression lines, smooths, data ellipses)</a:t>
+            </a:r>
+          </a:p>
+          <a:p>
+            <a:r>
+              <a:rPr lang="en-CA" sz="2800" b="1" dirty="0"/>
+              <a:t>reconnaissance </a:t>
+            </a:r>
+            <a:r>
+              <a:rPr lang="en-CA" sz="2800" dirty="0"/>
+              <a:t>plots: bird’s-eye overview for high-D multivariate data</a:t>
+            </a:r>
+          </a:p>
+          <a:p>
+            <a:pPr lvl="1"/>
+            <a:r>
+              <a:rPr lang="en-CA" sz="2400" dirty="0"/>
+              <a:t>scatterplot matrices, </a:t>
+            </a:r>
+            <a:r>
+              <a:rPr lang="en-CA" sz="2400" dirty="0" err="1"/>
+              <a:t>corrgrams</a:t>
+            </a:r>
+            <a:r>
+              <a:rPr lang="en-CA" sz="2400" dirty="0"/>
+              <a:t>, parallel coord plots</a:t>
+            </a:r>
+          </a:p>
+          <a:p>
+            <a:pPr lvl="1"/>
+            <a:r>
+              <a:rPr lang="en-CA" sz="2400" dirty="0"/>
+              <a:t>visual thinning: favor summaries over data points</a:t>
+            </a:r>
+          </a:p>
+          <a:p>
+            <a:r>
+              <a:rPr lang="en-CA" sz="2800" b="1" dirty="0"/>
+              <a:t>dimension reduction </a:t>
+            </a:r>
+            <a:r>
+              <a:rPr lang="en-CA" sz="2800" dirty="0"/>
+              <a:t>plots: plot in low-D space</a:t>
+            </a:r>
+          </a:p>
+          <a:p>
+            <a:pPr lvl="1"/>
+            <a:r>
+              <a:rPr lang="en-CA" sz="2400" dirty="0"/>
+              <a:t>PCA, biplots</a:t>
+            </a:r>
+          </a:p>
+          <a:p>
+            <a:pPr lvl="1"/>
+            <a:r>
+              <a:rPr lang="en-CA" sz="2400" dirty="0"/>
+              <a:t>Canonical correlation, LDA</a:t>
+            </a:r>
+          </a:p>
+          <a:p>
+            <a:r>
+              <a:rPr lang="en-CA" sz="2800" b="1" dirty="0"/>
+              <a:t>model</a:t>
+            </a:r>
+            <a:r>
+              <a:rPr lang="en-CA" sz="2800" dirty="0"/>
+              <a:t> plots: plot results of a fitted model</a:t>
+            </a:r>
+          </a:p>
+          <a:p>
+            <a:pPr lvl="1"/>
+            <a:r>
+              <a:rPr lang="en-CA" sz="2400" dirty="0"/>
+              <a:t>coefficient plots</a:t>
+            </a:r>
+          </a:p>
+          <a:p>
+            <a:pPr lvl="1"/>
+            <a:r>
+              <a:rPr lang="en-CA" sz="2400" dirty="0"/>
+              <a:t>marginal effect plots, added variable plots, …</a:t>
+            </a:r>
+          </a:p>
+          <a:p>
+            <a:r>
+              <a:rPr lang="en-CA" sz="2800" b="1" dirty="0"/>
+              <a:t>diagnostic</a:t>
+            </a:r>
+            <a:r>
+              <a:rPr lang="en-CA" sz="2800" dirty="0"/>
+              <a:t> plots: show deviations from assumptions</a:t>
+            </a:r>
+          </a:p>
+          <a:p>
+            <a:pPr lvl="1"/>
+            <a:r>
+              <a:rPr lang="en-CA" sz="2400" dirty="0"/>
+              <a:t>residual plots, influence plots</a:t>
+            </a:r>
+          </a:p>
+          <a:p>
+            <a:pPr lvl="1"/>
+            <a:r>
+              <a:rPr lang="en-CA" sz="2400" dirty="0"/>
+              <a:t>homogeneity of variance plots, …</a:t>
+            </a:r>
+          </a:p>
+          <a:p>
+            <a:pPr lvl="1"/>
+            <a:endParaRPr lang="en-CA" sz="2400" dirty="0"/>
+          </a:p>
+        </p:txBody>
+      </p:sp>
+      <p:sp>
+        <p:nvSpPr>
+          <p:cNvPr id="4" name="Slide Number Placeholder 3">
+            <a:extLst>
+              <a:ext uri="{FF2B5EF4-FFF2-40B4-BE49-F238E27FC236}">
+                <a16:creationId xmlns:a16="http://schemas.microsoft.com/office/drawing/2014/main" id="{23123A0E-1742-B4D8-63EB-9072DC05B8B8}"/>
+              </a:ext>
+            </a:extLst>
+          </p:cNvPr>
+          <p:cNvSpPr>
+            <a:spLocks noGrp="1"/>
+          </p:cNvSpPr>
+          <p:nvPr>
+            <p:ph type="sldNum" sz="quarter" idx="12"/>
+          </p:nvPr>
+        </p:nvSpPr>
+        <p:spPr/>
+        <p:txBody>
+          <a:bodyPr/>
+          <a:lstStyle/>
+          <a:p>
+            <a:endParaRPr lang="en-US" dirty="0">
+              <a:solidFill>
+                <a:prstClr val="black">
+                  <a:tint val="75000"/>
+                </a:prstClr>
+              </a:solidFill>
+            </a:endParaRPr>
+          </a:p>
+        </p:txBody>
+      </p:sp>
+    </p:spTree>
+    <p:extLst>
+      <p:ext uri="{BB962C8B-B14F-4D97-AF65-F5344CB8AC3E}">
+        <p14:creationId xmlns:p14="http://schemas.microsoft.com/office/powerpoint/2010/main" val="4259252271"/>
+      </p:ext>
+    </p:extLst>
+  </p:cSld>
+  <p:clrMapOvr>
+    <a:masterClrMapping/>
+  </p:clrMapOvr>
 </p:sld>
 </file>
 
